--- a/Инструмент_для_определения_типа_товара.pptx
+++ b/Инструмент_для_определения_типа_товара.pptx
@@ -263,7 +263,7 @@
           <a:p>
             <a:fld id="{D7EC46BA-876D-4C81-9168-EC9F1AD706CB}" type="datetimeFigureOut">
               <a:rPr lang="ru-KZ" smtClean="0"/>
-              <a:t>9/11/24</a:t>
+              <a:t>9/12/24</a:t>
             </a:fld>
             <a:endParaRPr lang="ru-KZ"/>
           </a:p>
@@ -463,7 +463,7 @@
           <a:p>
             <a:fld id="{D7EC46BA-876D-4C81-9168-EC9F1AD706CB}" type="datetimeFigureOut">
               <a:rPr lang="ru-KZ" smtClean="0"/>
-              <a:t>9/11/24</a:t>
+              <a:t>9/12/24</a:t>
             </a:fld>
             <a:endParaRPr lang="ru-KZ"/>
           </a:p>
@@ -673,7 +673,7 @@
           <a:p>
             <a:fld id="{D7EC46BA-876D-4C81-9168-EC9F1AD706CB}" type="datetimeFigureOut">
               <a:rPr lang="ru-KZ" smtClean="0"/>
-              <a:t>9/11/24</a:t>
+              <a:t>9/12/24</a:t>
             </a:fld>
             <a:endParaRPr lang="ru-KZ"/>
           </a:p>
@@ -873,7 +873,7 @@
           <a:p>
             <a:fld id="{D7EC46BA-876D-4C81-9168-EC9F1AD706CB}" type="datetimeFigureOut">
               <a:rPr lang="ru-KZ" smtClean="0"/>
-              <a:t>9/11/24</a:t>
+              <a:t>9/12/24</a:t>
             </a:fld>
             <a:endParaRPr lang="ru-KZ"/>
           </a:p>
@@ -1149,7 +1149,7 @@
           <a:p>
             <a:fld id="{D7EC46BA-876D-4C81-9168-EC9F1AD706CB}" type="datetimeFigureOut">
               <a:rPr lang="ru-KZ" smtClean="0"/>
-              <a:t>9/11/24</a:t>
+              <a:t>9/12/24</a:t>
             </a:fld>
             <a:endParaRPr lang="ru-KZ"/>
           </a:p>
@@ -1417,7 +1417,7 @@
           <a:p>
             <a:fld id="{D7EC46BA-876D-4C81-9168-EC9F1AD706CB}" type="datetimeFigureOut">
               <a:rPr lang="ru-KZ" smtClean="0"/>
-              <a:t>9/11/24</a:t>
+              <a:t>9/12/24</a:t>
             </a:fld>
             <a:endParaRPr lang="ru-KZ"/>
           </a:p>
@@ -1832,7 +1832,7 @@
           <a:p>
             <a:fld id="{D7EC46BA-876D-4C81-9168-EC9F1AD706CB}" type="datetimeFigureOut">
               <a:rPr lang="ru-KZ" smtClean="0"/>
-              <a:t>9/11/24</a:t>
+              <a:t>9/12/24</a:t>
             </a:fld>
             <a:endParaRPr lang="ru-KZ"/>
           </a:p>
@@ -1974,7 +1974,7 @@
           <a:p>
             <a:fld id="{D7EC46BA-876D-4C81-9168-EC9F1AD706CB}" type="datetimeFigureOut">
               <a:rPr lang="ru-KZ" smtClean="0"/>
-              <a:t>9/11/24</a:t>
+              <a:t>9/12/24</a:t>
             </a:fld>
             <a:endParaRPr lang="ru-KZ"/>
           </a:p>
@@ -2087,7 +2087,7 @@
           <a:p>
             <a:fld id="{D7EC46BA-876D-4C81-9168-EC9F1AD706CB}" type="datetimeFigureOut">
               <a:rPr lang="ru-KZ" smtClean="0"/>
-              <a:t>9/11/24</a:t>
+              <a:t>9/12/24</a:t>
             </a:fld>
             <a:endParaRPr lang="ru-KZ"/>
           </a:p>
@@ -2400,7 +2400,7 @@
           <a:p>
             <a:fld id="{D7EC46BA-876D-4C81-9168-EC9F1AD706CB}" type="datetimeFigureOut">
               <a:rPr lang="ru-KZ" smtClean="0"/>
-              <a:t>9/11/24</a:t>
+              <a:t>9/12/24</a:t>
             </a:fld>
             <a:endParaRPr lang="ru-KZ"/>
           </a:p>
@@ -2689,7 +2689,7 @@
           <a:p>
             <a:fld id="{D7EC46BA-876D-4C81-9168-EC9F1AD706CB}" type="datetimeFigureOut">
               <a:rPr lang="ru-KZ" smtClean="0"/>
-              <a:t>9/11/24</a:t>
+              <a:t>9/12/24</a:t>
             </a:fld>
             <a:endParaRPr lang="ru-KZ"/>
           </a:p>
@@ -2932,7 +2932,7 @@
           <a:p>
             <a:fld id="{D7EC46BA-876D-4C81-9168-EC9F1AD706CB}" type="datetimeFigureOut">
               <a:rPr lang="ru-KZ" smtClean="0"/>
-              <a:t>9/11/24</a:t>
+              <a:t>9/12/24</a:t>
             </a:fld>
             <a:endParaRPr lang="ru-KZ"/>
           </a:p>
@@ -3541,163 +3541,24 @@
           </a:extLst>
         </p:spPr>
       </p:pic>
-      <p:pic>
-        <p:nvPicPr>
-          <p:cNvPr id="2052" name="Picture 4" descr="Flask (веб-фреймворк) — Википедия">
-            <a:extLst>
-              <a:ext uri="{FF2B5EF4-FFF2-40B4-BE49-F238E27FC236}">
-                <a16:creationId xmlns:a16="http://schemas.microsoft.com/office/drawing/2014/main" id="{340A96AD-C678-4CDA-8C64-A3ECF0D6B15E}"/>
-              </a:ext>
-            </a:extLst>
-          </p:cNvPr>
-          <p:cNvPicPr>
-            <a:picLocks noChangeAspect="1" noChangeArrowheads="1"/>
-          </p:cNvPicPr>
-          <p:nvPr/>
-        </p:nvPicPr>
-        <p:blipFill>
-          <a:blip r:embed="rId3">
-            <a:extLst>
-              <a:ext uri="{28A0092B-C50C-407E-A947-70E740481C1C}">
-                <a14:useLocalDpi xmlns:a14="http://schemas.microsoft.com/office/drawing/2010/main" val="0"/>
-              </a:ext>
-            </a:extLst>
-          </a:blip>
-          <a:srcRect/>
-          <a:stretch>
-            <a:fillRect/>
-          </a:stretch>
-        </p:blipFill>
-        <p:spPr bwMode="auto">
-          <a:xfrm>
-            <a:off x="728663" y="4248991"/>
-            <a:ext cx="3419475" cy="1333500"/>
-          </a:xfrm>
-          <a:prstGeom prst="rect">
-            <a:avLst/>
-          </a:prstGeom>
-          <a:noFill/>
-          <a:extLst>
-            <a:ext uri="{909E8E84-426E-40DD-AFC4-6F175D3DCCD1}">
-              <a14:hiddenFill xmlns:a14="http://schemas.microsoft.com/office/drawing/2010/main">
-                <a:solidFill>
-                  <a:srgbClr val="FFFFFF"/>
-                </a:solidFill>
-              </a14:hiddenFill>
-            </a:ext>
-          </a:extLst>
-        </p:spPr>
-      </p:pic>
-      <p:pic>
-        <p:nvPicPr>
-          <p:cNvPr id="2054" name="Picture 6" descr="What Is an API? Definition, Meaning and Examples | Glossary">
-            <a:extLst>
-              <a:ext uri="{FF2B5EF4-FFF2-40B4-BE49-F238E27FC236}">
-                <a16:creationId xmlns:a16="http://schemas.microsoft.com/office/drawing/2014/main" id="{ED8AF452-4610-4A44-AEA1-A1281260CAF3}"/>
-              </a:ext>
-            </a:extLst>
-          </p:cNvPr>
-          <p:cNvPicPr>
-            <a:picLocks noChangeAspect="1" noChangeArrowheads="1"/>
-          </p:cNvPicPr>
-          <p:nvPr/>
-        </p:nvPicPr>
-        <p:blipFill>
-          <a:blip r:embed="rId4">
-            <a:extLst>
-              <a:ext uri="{28A0092B-C50C-407E-A947-70E740481C1C}">
-                <a14:useLocalDpi xmlns:a14="http://schemas.microsoft.com/office/drawing/2010/main" val="0"/>
-              </a:ext>
-            </a:extLst>
-          </a:blip>
-          <a:srcRect/>
-          <a:stretch>
-            <a:fillRect/>
-          </a:stretch>
-        </p:blipFill>
-        <p:spPr bwMode="auto">
-          <a:xfrm>
-            <a:off x="6525185" y="143434"/>
-            <a:ext cx="5310916" cy="2950509"/>
-          </a:xfrm>
-          <a:prstGeom prst="rect">
-            <a:avLst/>
-          </a:prstGeom>
-          <a:noFill/>
-          <a:extLst>
-            <a:ext uri="{909E8E84-426E-40DD-AFC4-6F175D3DCCD1}">
-              <a14:hiddenFill xmlns:a14="http://schemas.microsoft.com/office/drawing/2010/main">
-                <a:solidFill>
-                  <a:srgbClr val="FFFFFF"/>
-                </a:solidFill>
-              </a14:hiddenFill>
-            </a:ext>
-          </a:extLst>
-        </p:spPr>
-      </p:pic>
-      <p:pic>
-        <p:nvPicPr>
-          <p:cNvPr id="2058" name="Picture 10" descr="Telegram — Википедия">
-            <a:extLst>
-              <a:ext uri="{FF2B5EF4-FFF2-40B4-BE49-F238E27FC236}">
-                <a16:creationId xmlns:a16="http://schemas.microsoft.com/office/drawing/2014/main" id="{766D3B97-7B82-40D3-B55D-42237BD9EB2A}"/>
-              </a:ext>
-            </a:extLst>
-          </p:cNvPr>
-          <p:cNvPicPr>
-            <a:picLocks noChangeAspect="1" noChangeArrowheads="1"/>
-          </p:cNvPicPr>
-          <p:nvPr/>
-        </p:nvPicPr>
-        <p:blipFill>
-          <a:blip r:embed="rId5">
-            <a:extLst>
-              <a:ext uri="{28A0092B-C50C-407E-A947-70E740481C1C}">
-                <a14:useLocalDpi xmlns:a14="http://schemas.microsoft.com/office/drawing/2010/main" val="0"/>
-              </a:ext>
-            </a:extLst>
-          </a:blip>
-          <a:srcRect/>
-          <a:stretch>
-            <a:fillRect/>
-          </a:stretch>
-        </p:blipFill>
-        <p:spPr bwMode="auto">
-          <a:xfrm>
-            <a:off x="7981111" y="3855946"/>
-            <a:ext cx="2166936" cy="2166936"/>
-          </a:xfrm>
-          <a:prstGeom prst="rect">
-            <a:avLst/>
-          </a:prstGeom>
-          <a:noFill/>
-          <a:extLst>
-            <a:ext uri="{909E8E84-426E-40DD-AFC4-6F175D3DCCD1}">
-              <a14:hiddenFill xmlns:a14="http://schemas.microsoft.com/office/drawing/2010/main">
-                <a:solidFill>
-                  <a:srgbClr val="FFFFFF"/>
-                </a:solidFill>
-              </a14:hiddenFill>
-            </a:ext>
-          </a:extLst>
-        </p:spPr>
-      </p:pic>
       <p:cxnSp>
         <p:nvCxnSpPr>
-          <p:cNvPr id="3" name="Прямая со стрелкой 2">
-            <a:extLst>
-              <a:ext uri="{FF2B5EF4-FFF2-40B4-BE49-F238E27FC236}">
-                <a16:creationId xmlns:a16="http://schemas.microsoft.com/office/drawing/2014/main" id="{DB29051E-BC33-472E-AA75-8F2ED046659A}"/>
-              </a:ext>
-            </a:extLst>
-          </p:cNvPr>
-          <p:cNvCxnSpPr/>
+          <p:cNvPr id="11" name="Прямая со стрелкой 10">
+            <a:extLst>
+              <a:ext uri="{FF2B5EF4-FFF2-40B4-BE49-F238E27FC236}">
+                <a16:creationId xmlns:a16="http://schemas.microsoft.com/office/drawing/2014/main" id="{ED94DE01-C7CE-4452-8302-553211378E37}"/>
+              </a:ext>
+            </a:extLst>
+          </p:cNvPr>
+          <p:cNvCxnSpPr>
+            <a:cxnSpLocks/>
+          </p:cNvCxnSpPr>
           <p:nvPr/>
         </p:nvCxnSpPr>
         <p:spPr>
-          <a:xfrm>
-            <a:off x="1694329" y="3012141"/>
-            <a:ext cx="519953" cy="843805"/>
+          <a:xfrm flipH="1">
+            <a:off x="2946587" y="789051"/>
+            <a:ext cx="1485900" cy="0"/>
           </a:xfrm>
           <a:prstGeom prst="straightConnector1">
             <a:avLst/>
@@ -3724,22 +3585,97 @@
           </a:fontRef>
         </p:style>
       </p:cxnSp>
+      <p:sp>
+        <p:nvSpPr>
+          <p:cNvPr id="2" name="TextBox 1">
+            <a:extLst>
+              <a:ext uri="{FF2B5EF4-FFF2-40B4-BE49-F238E27FC236}">
+                <a16:creationId xmlns:a16="http://schemas.microsoft.com/office/drawing/2014/main" id="{E0860512-72AD-6BF2-A544-F2D24A85D049}"/>
+              </a:ext>
+            </a:extLst>
+          </p:cNvPr>
+          <p:cNvSpPr txBox="1"/>
+          <p:nvPr/>
+        </p:nvSpPr>
+        <p:spPr>
+          <a:xfrm>
+            <a:off x="4927863" y="1233361"/>
+            <a:ext cx="926425" cy="523220"/>
+          </a:xfrm>
+          <a:prstGeom prst="rect">
+            <a:avLst/>
+          </a:prstGeom>
+          <a:noFill/>
+        </p:spPr>
+        <p:txBody>
+          <a:bodyPr wrap="square" rtlCol="0">
+            <a:spAutoFit/>
+          </a:bodyPr>
+          <a:lstStyle/>
+          <a:p>
+            <a:r>
+              <a:rPr lang="en-US" sz="2800" dirty="0"/>
+              <a:t>CNN</a:t>
+            </a:r>
+            <a:endParaRPr lang="ru-ME" sz="2800" dirty="0"/>
+          </a:p>
+        </p:txBody>
+      </p:sp>
+      <p:sp>
+        <p:nvSpPr>
+          <p:cNvPr id="4" name="TextBox 3">
+            <a:extLst>
+              <a:ext uri="{FF2B5EF4-FFF2-40B4-BE49-F238E27FC236}">
+                <a16:creationId xmlns:a16="http://schemas.microsoft.com/office/drawing/2014/main" id="{FF5C3BCF-962F-BC48-BF1A-3B8F40F1E971}"/>
+              </a:ext>
+            </a:extLst>
+          </p:cNvPr>
+          <p:cNvSpPr txBox="1"/>
+          <p:nvPr/>
+        </p:nvSpPr>
+        <p:spPr>
+          <a:xfrm>
+            <a:off x="4502825" y="465885"/>
+            <a:ext cx="1846840" cy="646331"/>
+          </a:xfrm>
+          <a:prstGeom prst="rect">
+            <a:avLst/>
+          </a:prstGeom>
+          <a:noFill/>
+        </p:spPr>
+        <p:txBody>
+          <a:bodyPr wrap="square" rtlCol="0">
+            <a:spAutoFit/>
+          </a:bodyPr>
+          <a:lstStyle/>
+          <a:p>
+            <a:pPr algn="ctr"/>
+            <a:r>
+              <a:rPr lang="ru-RU" dirty="0"/>
+              <a:t>Модель для текста</a:t>
+            </a:r>
+            <a:endParaRPr lang="ru-ME" dirty="0"/>
+          </a:p>
+        </p:txBody>
+      </p:sp>
       <p:cxnSp>
         <p:nvCxnSpPr>
-          <p:cNvPr id="5" name="Прямая со стрелкой 4">
-            <a:extLst>
-              <a:ext uri="{FF2B5EF4-FFF2-40B4-BE49-F238E27FC236}">
-                <a16:creationId xmlns:a16="http://schemas.microsoft.com/office/drawing/2014/main" id="{8F10E7B3-5998-4B15-86E9-9C720D7E5A65}"/>
-              </a:ext>
-            </a:extLst>
-          </p:cNvPr>
-          <p:cNvCxnSpPr/>
+          <p:cNvPr id="8" name="Прямая со стрелкой 7">
+            <a:extLst>
+              <a:ext uri="{FF2B5EF4-FFF2-40B4-BE49-F238E27FC236}">
+                <a16:creationId xmlns:a16="http://schemas.microsoft.com/office/drawing/2014/main" id="{2025A125-2BE6-A42E-C6D3-AE552D798744}"/>
+              </a:ext>
+            </a:extLst>
+          </p:cNvPr>
+          <p:cNvCxnSpPr>
+            <a:cxnSpLocks/>
+          </p:cNvCxnSpPr>
           <p:nvPr/>
         </p:nvCxnSpPr>
         <p:spPr>
-          <a:xfrm flipV="1">
-            <a:off x="4210890" y="2034988"/>
-            <a:ext cx="3328428" cy="2474259"/>
+          <a:xfrm flipH="1">
+            <a:off x="2946587" y="1495626"/>
+            <a:ext cx="1485900" cy="0"/>
           </a:xfrm>
           <a:prstGeom prst="straightConnector1">
             <a:avLst/>
@@ -3766,12 +3702,49 @@
           </a:fontRef>
         </p:style>
       </p:cxnSp>
+      <p:sp>
+        <p:nvSpPr>
+          <p:cNvPr id="12" name="TextBox 11">
+            <a:extLst>
+              <a:ext uri="{FF2B5EF4-FFF2-40B4-BE49-F238E27FC236}">
+                <a16:creationId xmlns:a16="http://schemas.microsoft.com/office/drawing/2014/main" id="{FC4FB4D4-2332-BDAF-1E4A-A7CABD2FD8EE}"/>
+              </a:ext>
+            </a:extLst>
+          </p:cNvPr>
+          <p:cNvSpPr txBox="1"/>
+          <p:nvPr/>
+        </p:nvSpPr>
+        <p:spPr>
+          <a:xfrm>
+            <a:off x="4467656" y="2017535"/>
+            <a:ext cx="1917178" cy="369332"/>
+          </a:xfrm>
+          <a:prstGeom prst="rect">
+            <a:avLst/>
+          </a:prstGeom>
+          <a:noFill/>
+        </p:spPr>
+        <p:txBody>
+          <a:bodyPr wrap="square" rtlCol="0">
+            <a:spAutoFit/>
+          </a:bodyPr>
+          <a:lstStyle/>
+          <a:p>
+            <a:pPr algn="ctr"/>
+            <a:r>
+              <a:rPr lang="en-US" dirty="0" err="1"/>
+              <a:t>HashingVectorizer</a:t>
+            </a:r>
+            <a:endParaRPr lang="ru-ME" dirty="0"/>
+          </a:p>
+        </p:txBody>
+      </p:sp>
       <p:cxnSp>
         <p:nvCxnSpPr>
-          <p:cNvPr id="7" name="Прямая со стрелкой 6">
-            <a:extLst>
-              <a:ext uri="{FF2B5EF4-FFF2-40B4-BE49-F238E27FC236}">
-                <a16:creationId xmlns:a16="http://schemas.microsoft.com/office/drawing/2014/main" id="{5F8225D4-5A75-41C8-AF3D-E637E95E20D6}"/>
+          <p:cNvPr id="13" name="Прямая со стрелкой 12">
+            <a:extLst>
+              <a:ext uri="{FF2B5EF4-FFF2-40B4-BE49-F238E27FC236}">
+                <a16:creationId xmlns:a16="http://schemas.microsoft.com/office/drawing/2014/main" id="{E936B8DA-03DF-CDAB-2823-8E7361B147A8}"/>
               </a:ext>
             </a:extLst>
           </p:cNvPr>
@@ -3781,9 +3754,9 @@
           <p:nvPr/>
         </p:nvCxnSpPr>
         <p:spPr>
-          <a:xfrm>
-            <a:off x="9287435" y="3093943"/>
-            <a:ext cx="0" cy="563657"/>
+          <a:xfrm flipH="1">
+            <a:off x="2946587" y="2202201"/>
+            <a:ext cx="1485900" cy="0"/>
           </a:xfrm>
           <a:prstGeom prst="straightConnector1">
             <a:avLst/>
@@ -3810,84 +3783,96 @@
           </a:fontRef>
         </p:style>
       </p:cxnSp>
-      <p:sp>
-        <p:nvSpPr>
-          <p:cNvPr id="9" name="TextBox 8">
-            <a:extLst>
-              <a:ext uri="{FF2B5EF4-FFF2-40B4-BE49-F238E27FC236}">
-                <a16:creationId xmlns:a16="http://schemas.microsoft.com/office/drawing/2014/main" id="{D2170539-2935-4E47-BF80-DBC38E8FE2E7}"/>
-              </a:ext>
-            </a:extLst>
-          </p:cNvPr>
-          <p:cNvSpPr txBox="1"/>
+      <p:pic>
+        <p:nvPicPr>
+          <p:cNvPr id="15" name="Рисунок 14">
+            <a:extLst>
+              <a:ext uri="{FF2B5EF4-FFF2-40B4-BE49-F238E27FC236}">
+                <a16:creationId xmlns:a16="http://schemas.microsoft.com/office/drawing/2014/main" id="{EC673630-B63F-C72C-0B72-C7333301F376}"/>
+              </a:ext>
+            </a:extLst>
+          </p:cNvPr>
+          <p:cNvPicPr>
+            <a:picLocks noChangeAspect="1"/>
+          </p:cNvPicPr>
           <p:nvPr/>
-        </p:nvSpPr>
+        </p:nvPicPr>
+        <p:blipFill>
+          <a:blip r:embed="rId3">
+            <a:extLst>
+              <a:ext uri="{28A0092B-C50C-407E-A947-70E740481C1C}">
+                <a14:useLocalDpi xmlns:a14="http://schemas.microsoft.com/office/drawing/2010/main" val="0"/>
+              </a:ext>
+            </a:extLst>
+          </a:blip>
+          <a:stretch>
+            <a:fillRect/>
+          </a:stretch>
+        </p:blipFill>
         <p:spPr>
           <a:xfrm>
-            <a:off x="3997138" y="811320"/>
-            <a:ext cx="3004297" cy="923330"/>
+            <a:off x="6669267" y="281522"/>
+            <a:ext cx="5152292" cy="1355160"/>
           </a:xfrm>
           <a:prstGeom prst="rect">
             <a:avLst/>
           </a:prstGeom>
-          <a:noFill/>
         </p:spPr>
-        <p:txBody>
-          <a:bodyPr wrap="square" rtlCol="0">
-            <a:spAutoFit/>
-          </a:bodyPr>
-          <a:lstStyle/>
-          <a:p>
-            <a:pPr algn="ctr"/>
-            <a:r>
-              <a:rPr lang="ru-RU" dirty="0">
-                <a:latin typeface="Arial Black" panose="020B0A04020102020204" pitchFamily="34" charset="0"/>
-              </a:rPr>
-              <a:t>Изображения </a:t>
-            </a:r>
-          </a:p>
-          <a:p>
-            <a:pPr algn="ctr"/>
-            <a:r>
-              <a:rPr lang="ru-RU" dirty="0">
-                <a:latin typeface="Arial Black" panose="020B0A04020102020204" pitchFamily="34" charset="0"/>
-              </a:rPr>
-              <a:t>+</a:t>
-            </a:r>
-          </a:p>
-          <a:p>
-            <a:pPr algn="ctr"/>
-            <a:r>
-              <a:rPr lang="ru-RU" dirty="0">
-                <a:latin typeface="Arial Black" panose="020B0A04020102020204" pitchFamily="34" charset="0"/>
-              </a:rPr>
-              <a:t> описание товара</a:t>
-            </a:r>
-            <a:endParaRPr lang="ru-KZ" dirty="0">
-              <a:latin typeface="Arial Black" panose="020B0A04020102020204" pitchFamily="34" charset="0"/>
-            </a:endParaRPr>
-          </a:p>
-        </p:txBody>
-      </p:sp>
+      </p:pic>
+      <p:pic>
+        <p:nvPicPr>
+          <p:cNvPr id="17" name="Рисунок 16">
+            <a:extLst>
+              <a:ext uri="{FF2B5EF4-FFF2-40B4-BE49-F238E27FC236}">
+                <a16:creationId xmlns:a16="http://schemas.microsoft.com/office/drawing/2014/main" id="{D34A55EA-CEB4-5479-ABDA-A84DFE1C2C82}"/>
+              </a:ext>
+            </a:extLst>
+          </p:cNvPr>
+          <p:cNvPicPr>
+            <a:picLocks noChangeAspect="1"/>
+          </p:cNvPicPr>
+          <p:nvPr/>
+        </p:nvPicPr>
+        <p:blipFill>
+          <a:blip r:embed="rId4">
+            <a:extLst>
+              <a:ext uri="{28A0092B-C50C-407E-A947-70E740481C1C}">
+                <a14:useLocalDpi xmlns:a14="http://schemas.microsoft.com/office/drawing/2010/main" val="0"/>
+              </a:ext>
+            </a:extLst>
+          </a:blip>
+          <a:stretch>
+            <a:fillRect/>
+          </a:stretch>
+        </p:blipFill>
+        <p:spPr>
+          <a:xfrm>
+            <a:off x="7183316" y="2709366"/>
+            <a:ext cx="4290646" cy="1439267"/>
+          </a:xfrm>
+          <a:prstGeom prst="rect">
+            <a:avLst/>
+          </a:prstGeom>
+        </p:spPr>
+      </p:pic>
       <p:cxnSp>
         <p:nvCxnSpPr>
-          <p:cNvPr id="11" name="Прямая со стрелкой 10">
-            <a:extLst>
-              <a:ext uri="{FF2B5EF4-FFF2-40B4-BE49-F238E27FC236}">
-                <a16:creationId xmlns:a16="http://schemas.microsoft.com/office/drawing/2014/main" id="{ED94DE01-C7CE-4452-8302-553211378E37}"/>
+          <p:cNvPr id="18" name="Прямая со стрелкой 17">
+            <a:extLst>
+              <a:ext uri="{FF2B5EF4-FFF2-40B4-BE49-F238E27FC236}">
+                <a16:creationId xmlns:a16="http://schemas.microsoft.com/office/drawing/2014/main" id="{67625689-5407-EBDB-AB49-B9F5AF4DED41}"/>
               </a:ext>
             </a:extLst>
           </p:cNvPr>
           <p:cNvCxnSpPr>
             <a:cxnSpLocks/>
-            <a:stCxn id="9" idx="1"/>
           </p:cNvCxnSpPr>
           <p:nvPr/>
         </p:nvCxnSpPr>
         <p:spPr>
-          <a:xfrm flipH="1">
-            <a:off x="2946587" y="1272985"/>
-            <a:ext cx="1050551" cy="0"/>
+          <a:xfrm>
+            <a:off x="9451732" y="1716744"/>
+            <a:ext cx="0" cy="922791"/>
           </a:xfrm>
           <a:prstGeom prst="straightConnector1">
             <a:avLst/>
@@ -3914,6 +3899,42 @@
           </a:fontRef>
         </p:style>
       </p:cxnSp>
+      <p:pic>
+        <p:nvPicPr>
+          <p:cNvPr id="22" name="Рисунок 21">
+            <a:extLst>
+              <a:ext uri="{FF2B5EF4-FFF2-40B4-BE49-F238E27FC236}">
+                <a16:creationId xmlns:a16="http://schemas.microsoft.com/office/drawing/2014/main" id="{7DAD1FBB-E0D4-8313-BEF1-1A2B094051F7}"/>
+              </a:ext>
+            </a:extLst>
+          </p:cNvPr>
+          <p:cNvPicPr>
+            <a:picLocks noChangeAspect="1"/>
+          </p:cNvPicPr>
+          <p:nvPr/>
+        </p:nvPicPr>
+        <p:blipFill>
+          <a:blip r:embed="rId5">
+            <a:extLst>
+              <a:ext uri="{28A0092B-C50C-407E-A947-70E740481C1C}">
+                <a14:useLocalDpi xmlns:a14="http://schemas.microsoft.com/office/drawing/2010/main" val="0"/>
+              </a:ext>
+            </a:extLst>
+          </a:blip>
+          <a:stretch>
+            <a:fillRect/>
+          </a:stretch>
+        </p:blipFill>
+        <p:spPr>
+          <a:xfrm>
+            <a:off x="451679" y="3093441"/>
+            <a:ext cx="6174790" cy="3309997"/>
+          </a:xfrm>
+          <a:prstGeom prst="rect">
+            <a:avLst/>
+          </a:prstGeom>
+        </p:spPr>
+      </p:pic>
     </p:spTree>
     <p:extLst>
       <p:ext uri="{BB962C8B-B14F-4D97-AF65-F5344CB8AC3E}">
@@ -3946,10 +3967,10 @@
       </p:grpSpPr>
       <p:sp>
         <p:nvSpPr>
-          <p:cNvPr id="3" name="TextBox 2">
-            <a:extLst>
-              <a:ext uri="{FF2B5EF4-FFF2-40B4-BE49-F238E27FC236}">
-                <a16:creationId xmlns:a16="http://schemas.microsoft.com/office/drawing/2014/main" id="{91CC9DC2-E2FD-4979-90E0-CD3274A05A69}"/>
+          <p:cNvPr id="4" name="TextBox 3">
+            <a:extLst>
+              <a:ext uri="{FF2B5EF4-FFF2-40B4-BE49-F238E27FC236}">
+                <a16:creationId xmlns:a16="http://schemas.microsoft.com/office/drawing/2014/main" id="{D5C1AE8E-C2E5-4B5A-BA3C-B3F1AB4064CC}"/>
               </a:ext>
             </a:extLst>
           </p:cNvPr>
@@ -3958,8 +3979,8 @@
         </p:nvSpPr>
         <p:spPr>
           <a:xfrm>
-            <a:off x="475130" y="485019"/>
-            <a:ext cx="6096000" cy="2352824"/>
+            <a:off x="557532" y="544083"/>
+            <a:ext cx="7315200" cy="5386090"/>
           </a:xfrm>
           <a:prstGeom prst="rect">
             <a:avLst/>
@@ -3967,205 +3988,14 @@
           <a:noFill/>
         </p:spPr>
         <p:txBody>
-          <a:bodyPr wrap="square">
-            <a:spAutoFit/>
-          </a:bodyPr>
-          <a:lstStyle/>
-          <a:p>
-            <a:pPr algn="l">
-              <a:lnSpc>
-                <a:spcPct val="150000"/>
-              </a:lnSpc>
-              <a:buFont typeface="Arial" panose="020B0604020202020204" pitchFamily="34" charset="0"/>
-              <a:buChar char="•"/>
-            </a:pPr>
-            <a:r>
-              <a:rPr lang="ru-RU" sz="2000" b="0" i="0" dirty="0" err="1">
-                <a:solidFill>
-                  <a:srgbClr val="212529"/>
-                </a:solidFill>
-                <a:effectLst/>
-                <a:latin typeface="Arial Black" panose="020B0A04020102020204" pitchFamily="34" charset="0"/>
-              </a:rPr>
-              <a:t>Бозоян</a:t>
-            </a:r>
-            <a:r>
-              <a:rPr lang="ru-RU" sz="2000" b="0" i="0" dirty="0">
-                <a:solidFill>
-                  <a:srgbClr val="212529"/>
-                </a:solidFill>
-                <a:effectLst/>
-                <a:latin typeface="Arial Black" panose="020B0A04020102020204" pitchFamily="34" charset="0"/>
-              </a:rPr>
-              <a:t> </a:t>
-            </a:r>
-            <a:r>
-              <a:rPr lang="ru-RU" sz="2000" b="0" i="0" dirty="0" err="1">
-                <a:solidFill>
-                  <a:srgbClr val="212529"/>
-                </a:solidFill>
-                <a:effectLst/>
-                <a:latin typeface="Arial Black" panose="020B0A04020102020204" pitchFamily="34" charset="0"/>
-              </a:rPr>
-              <a:t>Овсеп</a:t>
-            </a:r>
-            <a:r>
-              <a:rPr lang="ru-RU" sz="2000" b="0" i="0" dirty="0">
-                <a:solidFill>
-                  <a:srgbClr val="212529"/>
-                </a:solidFill>
-                <a:effectLst/>
-                <a:latin typeface="Arial Black" panose="020B0A04020102020204" pitchFamily="34" charset="0"/>
-              </a:rPr>
-              <a:t> - </a:t>
-            </a:r>
-            <a:r>
-              <a:rPr lang="ru-RU" sz="2000" b="0" i="0" dirty="0" err="1">
-                <a:solidFill>
-                  <a:srgbClr val="212529"/>
-                </a:solidFill>
-                <a:effectLst/>
-                <a:latin typeface="Arial Black" panose="020B0A04020102020204" pitchFamily="34" charset="0"/>
-              </a:rPr>
-              <a:t>Backend</a:t>
-            </a:r>
-            <a:r>
-              <a:rPr lang="ru-RU" sz="2000" b="0" i="0" dirty="0">
-                <a:solidFill>
-                  <a:srgbClr val="212529"/>
-                </a:solidFill>
-                <a:effectLst/>
-                <a:latin typeface="Arial Black" panose="020B0A04020102020204" pitchFamily="34" charset="0"/>
-              </a:rPr>
-              <a:t> разработчик</a:t>
-            </a:r>
-          </a:p>
-          <a:p>
-            <a:pPr algn="l">
-              <a:lnSpc>
-                <a:spcPct val="150000"/>
-              </a:lnSpc>
-              <a:buFont typeface="Arial" panose="020B0604020202020204" pitchFamily="34" charset="0"/>
-              <a:buChar char="•"/>
-            </a:pPr>
-            <a:r>
-              <a:rPr lang="ru-RU" sz="2000" b="0" i="0" dirty="0">
-                <a:solidFill>
-                  <a:srgbClr val="212529"/>
-                </a:solidFill>
-                <a:effectLst/>
-                <a:latin typeface="Arial Black" panose="020B0A04020102020204" pitchFamily="34" charset="0"/>
-              </a:rPr>
-              <a:t>Бобровский Константин - Аналитик</a:t>
-            </a:r>
-          </a:p>
-          <a:p>
-            <a:pPr algn="l">
-              <a:lnSpc>
-                <a:spcPct val="150000"/>
-              </a:lnSpc>
-              <a:buFont typeface="Arial" panose="020B0604020202020204" pitchFamily="34" charset="0"/>
-              <a:buChar char="•"/>
-            </a:pPr>
-            <a:r>
-              <a:rPr lang="ru-RU" sz="2000" b="0" i="0" dirty="0">
-                <a:solidFill>
-                  <a:srgbClr val="212529"/>
-                </a:solidFill>
-                <a:effectLst/>
-                <a:latin typeface="Arial Black" panose="020B0A04020102020204" pitchFamily="34" charset="0"/>
-              </a:rPr>
-              <a:t>Гайдуков Владимир - ML инженер</a:t>
-            </a:r>
-          </a:p>
-          <a:p>
-            <a:pPr algn="l">
-              <a:lnSpc>
-                <a:spcPct val="150000"/>
-              </a:lnSpc>
-              <a:buFont typeface="Arial" panose="020B0604020202020204" pitchFamily="34" charset="0"/>
-              <a:buChar char="•"/>
-            </a:pPr>
-            <a:r>
-              <a:rPr lang="ru-RU" sz="2000" b="0" i="0" dirty="0">
-                <a:solidFill>
-                  <a:srgbClr val="212529"/>
-                </a:solidFill>
-                <a:effectLst/>
-                <a:latin typeface="Arial Black" panose="020B0A04020102020204" pitchFamily="34" charset="0"/>
-              </a:rPr>
-              <a:t>Епифанов Вячеслав - </a:t>
-            </a:r>
-            <a:r>
-              <a:rPr lang="ru-RU" sz="2000" b="0" i="0" dirty="0" err="1">
-                <a:solidFill>
-                  <a:srgbClr val="212529"/>
-                </a:solidFill>
-                <a:effectLst/>
-                <a:latin typeface="Arial Black" panose="020B0A04020102020204" pitchFamily="34" charset="0"/>
-              </a:rPr>
-              <a:t>Рисерчер</a:t>
-            </a:r>
-            <a:endParaRPr lang="ru-RU" sz="2000" b="0" i="0" dirty="0">
-              <a:solidFill>
-                <a:srgbClr val="212529"/>
-              </a:solidFill>
-              <a:effectLst/>
-              <a:latin typeface="Arial Black" panose="020B0A04020102020204" pitchFamily="34" charset="0"/>
-            </a:endParaRPr>
-          </a:p>
-          <a:p>
-            <a:pPr algn="l">
-              <a:lnSpc>
-                <a:spcPct val="150000"/>
-              </a:lnSpc>
-              <a:buFont typeface="Arial" panose="020B0604020202020204" pitchFamily="34" charset="0"/>
-              <a:buChar char="•"/>
-            </a:pPr>
-            <a:r>
-              <a:rPr lang="ru-RU" sz="2000" b="0" i="0" dirty="0">
-                <a:solidFill>
-                  <a:srgbClr val="212529"/>
-                </a:solidFill>
-                <a:effectLst/>
-                <a:latin typeface="Arial Black" panose="020B0A04020102020204" pitchFamily="34" charset="0"/>
-              </a:rPr>
-              <a:t>Михайлов Глеб - ML инженер</a:t>
-            </a:r>
-          </a:p>
-        </p:txBody>
-      </p:sp>
-      <p:sp>
-        <p:nvSpPr>
-          <p:cNvPr id="4" name="TextBox 3">
-            <a:extLst>
-              <a:ext uri="{FF2B5EF4-FFF2-40B4-BE49-F238E27FC236}">
-                <a16:creationId xmlns:a16="http://schemas.microsoft.com/office/drawing/2014/main" id="{D5C1AE8E-C2E5-4B5A-BA3C-B3F1AB4064CC}"/>
-              </a:ext>
-            </a:extLst>
-          </p:cNvPr>
-          <p:cNvSpPr txBox="1"/>
-          <p:nvPr/>
-        </p:nvSpPr>
-        <p:spPr>
-          <a:xfrm>
-            <a:off x="5402093" y="2249791"/>
-            <a:ext cx="7315200" cy="1938992"/>
-          </a:xfrm>
-          <a:prstGeom prst="rect">
-            <a:avLst/>
-          </a:prstGeom>
-          <a:noFill/>
-        </p:spPr>
-        <p:txBody>
           <a:bodyPr wrap="square" rtlCol="0">
             <a:spAutoFit/>
           </a:bodyPr>
           <a:lstStyle/>
           <a:p>
-            <a:pPr marL="285750" indent="-285750">
-              <a:buFont typeface="Arial" panose="020B0604020202020204" pitchFamily="34" charset="0"/>
-              <a:buChar char="•"/>
+            <a:pPr marL="457200" indent="-457200">
+              <a:buFont typeface="Wingdings" pitchFamily="2" charset="2"/>
+              <a:buChar char="§"/>
             </a:pPr>
             <a:r>
               <a:rPr lang="ru-RU" sz="2800" dirty="0">
@@ -4174,7 +4004,76 @@
                 </a:solidFill>
                 <a:latin typeface="Arial Black" panose="020B0A04020102020204" pitchFamily="34" charset="0"/>
               </a:rPr>
-              <a:t>Реализована  модель </a:t>
+              <a:t>Повышена точность модели</a:t>
+            </a:r>
+          </a:p>
+          <a:p>
+            <a:pPr marL="457200" indent="-457200">
+              <a:buFont typeface="Wingdings" pitchFamily="2" charset="2"/>
+              <a:buChar char="§"/>
+            </a:pPr>
+            <a:endParaRPr lang="ru-RU" sz="2800" dirty="0">
+              <a:solidFill>
+                <a:srgbClr val="00B050"/>
+              </a:solidFill>
+              <a:latin typeface="Arial Black" panose="020B0A04020102020204" pitchFamily="34" charset="0"/>
+            </a:endParaRPr>
+          </a:p>
+          <a:p>
+            <a:pPr marL="457200" indent="-457200">
+              <a:buFont typeface="Wingdings" pitchFamily="2" charset="2"/>
+              <a:buChar char="§"/>
+            </a:pPr>
+            <a:r>
+              <a:rPr lang="ru-RU" sz="2800" dirty="0">
+                <a:solidFill>
+                  <a:srgbClr val="00B050"/>
+                </a:solidFill>
+                <a:latin typeface="Arial Black" panose="020B0A04020102020204" pitchFamily="34" charset="0"/>
+              </a:rPr>
+              <a:t>Подготовлен основной </a:t>
+            </a:r>
+            <a:r>
+              <a:rPr lang="ru-RU" sz="2800" dirty="0" err="1">
+                <a:solidFill>
+                  <a:srgbClr val="00B050"/>
+                </a:solidFill>
+                <a:latin typeface="Arial Black" panose="020B0A04020102020204" pitchFamily="34" charset="0"/>
+              </a:rPr>
+              <a:t>датасет</a:t>
+            </a:r>
+            <a:endParaRPr lang="ru-RU" sz="2800" dirty="0">
+              <a:solidFill>
+                <a:srgbClr val="00B050"/>
+              </a:solidFill>
+              <a:latin typeface="Arial Black" panose="020B0A04020102020204" pitchFamily="34" charset="0"/>
+            </a:endParaRPr>
+          </a:p>
+          <a:p>
+            <a:pPr marL="457200" indent="-457200">
+              <a:buFont typeface="Wingdings" pitchFamily="2" charset="2"/>
+              <a:buChar char="§"/>
+            </a:pPr>
+            <a:endParaRPr lang="ru-RU" sz="2800" dirty="0">
+              <a:solidFill>
+                <a:srgbClr val="00B050"/>
+              </a:solidFill>
+              <a:latin typeface="Arial Black" panose="020B0A04020102020204" pitchFamily="34" charset="0"/>
+            </a:endParaRPr>
+          </a:p>
+          <a:p>
+            <a:pPr marL="457200" indent="-457200">
+              <a:buFont typeface="Wingdings" pitchFamily="2" charset="2"/>
+              <a:buChar char="§"/>
+            </a:pPr>
+            <a:r>
+              <a:rPr lang="ru-RU" sz="2800" dirty="0">
+                <a:solidFill>
+                  <a:srgbClr val="00B050"/>
+                </a:solidFill>
+                <a:latin typeface="Arial Black" panose="020B0A04020102020204" pitchFamily="34" charset="0"/>
+              </a:rPr>
+              <a:t>Реализовано </a:t>
             </a:r>
             <a:r>
               <a:rPr lang="en-US" sz="2800" dirty="0">
@@ -4183,9 +4082,15 @@
                 </a:solidFill>
                 <a:latin typeface="Arial Black" panose="020B0A04020102020204" pitchFamily="34" charset="0"/>
               </a:rPr>
-              <a:t>ML</a:t>
-            </a:r>
-            <a:endParaRPr lang="ru-RU" sz="2800" dirty="0">
+              <a:t>API</a:t>
+            </a:r>
+          </a:p>
+          <a:p>
+            <a:pPr marL="457200" indent="-457200">
+              <a:buFont typeface="Wingdings" pitchFamily="2" charset="2"/>
+              <a:buChar char="§"/>
+            </a:pPr>
+            <a:endParaRPr lang="en-US" sz="2800" dirty="0">
               <a:solidFill>
                 <a:srgbClr val="00B050"/>
               </a:solidFill>
@@ -4193,9 +4098,28 @@
             </a:endParaRPr>
           </a:p>
           <a:p>
-            <a:pPr marL="285750" indent="-285750">
-              <a:buFont typeface="Arial" panose="020B0604020202020204" pitchFamily="34" charset="0"/>
-              <a:buChar char="•"/>
+            <a:r>
+              <a:rPr lang="en-US" sz="2800" dirty="0">
+                <a:solidFill>
+                  <a:srgbClr val="00B050"/>
+                </a:solidFill>
+                <a:latin typeface="Arial Black" panose="020B0A04020102020204" pitchFamily="34" charset="0"/>
+              </a:rPr>
+              <a:t>Extra</a:t>
+            </a:r>
+          </a:p>
+          <a:p>
+            <a:endParaRPr lang="en-US" sz="2800" dirty="0">
+              <a:solidFill>
+                <a:srgbClr val="00B050"/>
+              </a:solidFill>
+              <a:latin typeface="Arial Black" panose="020B0A04020102020204" pitchFamily="34" charset="0"/>
+            </a:endParaRPr>
+          </a:p>
+          <a:p>
+            <a:pPr marL="457200" indent="-457200">
+              <a:buFont typeface="Wingdings" pitchFamily="2" charset="2"/>
+              <a:buChar char="§"/>
             </a:pPr>
             <a:r>
               <a:rPr lang="ru-RU" sz="2800" dirty="0">
@@ -4204,37 +4128,7 @@
                 </a:solidFill>
                 <a:latin typeface="Arial Black" panose="020B0A04020102020204" pitchFamily="34" charset="0"/>
               </a:rPr>
-              <a:t>Развернут сервер на </a:t>
-            </a:r>
-            <a:r>
-              <a:rPr lang="en-US" sz="2800" dirty="0">
-                <a:solidFill>
-                  <a:srgbClr val="00B050"/>
-                </a:solidFill>
-                <a:latin typeface="Arial Black" panose="020B0A04020102020204" pitchFamily="34" charset="0"/>
-              </a:rPr>
-              <a:t>flask</a:t>
-            </a:r>
-            <a:endParaRPr lang="ru-RU" sz="2800" dirty="0">
-              <a:solidFill>
-                <a:srgbClr val="00B050"/>
-              </a:solidFill>
-              <a:latin typeface="Arial Black" panose="020B0A04020102020204" pitchFamily="34" charset="0"/>
-            </a:endParaRPr>
-          </a:p>
-          <a:p>
-            <a:pPr marL="285750" indent="-285750">
-              <a:buFont typeface="Arial" panose="020B0604020202020204" pitchFamily="34" charset="0"/>
-              <a:buChar char="•"/>
-            </a:pPr>
-            <a:r>
-              <a:rPr lang="ru-RU" sz="2800" dirty="0">
-                <a:solidFill>
-                  <a:srgbClr val="00B050"/>
-                </a:solidFill>
-                <a:latin typeface="Arial Black" panose="020B0A04020102020204" pitchFamily="34" charset="0"/>
-              </a:rPr>
-              <a:t>Создан </a:t>
+              <a:t>Создан сайт и </a:t>
             </a:r>
             <a:r>
               <a:rPr lang="ru-RU" sz="2800" dirty="0" err="1">
@@ -4254,6 +4148,24 @@
               </a:rPr>
               <a:t> бот</a:t>
             </a:r>
+          </a:p>
+          <a:p>
+            <a:pPr marL="457200" indent="-457200">
+              <a:buFont typeface="Wingdings" pitchFamily="2" charset="2"/>
+              <a:buChar char="§"/>
+            </a:pPr>
+            <a:endParaRPr lang="ru-RU" sz="2800" dirty="0">
+              <a:solidFill>
+                <a:srgbClr val="00B050"/>
+              </a:solidFill>
+              <a:latin typeface="Arial Black" panose="020B0A04020102020204" pitchFamily="34" charset="0"/>
+            </a:endParaRPr>
+          </a:p>
+          <a:p>
+            <a:pPr marL="457200" indent="-457200">
+              <a:buFont typeface="Wingdings" pitchFamily="2" charset="2"/>
+              <a:buChar char="§"/>
+            </a:pPr>
             <a:endParaRPr lang="en-US" sz="2800" dirty="0">
               <a:solidFill>
                 <a:srgbClr val="00B050"/>
@@ -4285,42 +4197,6 @@
           </a:p>
         </p:txBody>
       </p:sp>
-      <p:pic>
-        <p:nvPicPr>
-          <p:cNvPr id="5" name="Рисунок 4">
-            <a:extLst>
-              <a:ext uri="{FF2B5EF4-FFF2-40B4-BE49-F238E27FC236}">
-                <a16:creationId xmlns:a16="http://schemas.microsoft.com/office/drawing/2014/main" id="{001B9DBB-F9B3-3E57-F55B-D461CE6D95E6}"/>
-              </a:ext>
-            </a:extLst>
-          </p:cNvPr>
-          <p:cNvPicPr>
-            <a:picLocks noChangeAspect="1"/>
-          </p:cNvPicPr>
-          <p:nvPr/>
-        </p:nvPicPr>
-        <p:blipFill>
-          <a:blip r:embed="rId2">
-            <a:extLst>
-              <a:ext uri="{28A0092B-C50C-407E-A947-70E740481C1C}">
-                <a14:useLocalDpi xmlns:a14="http://schemas.microsoft.com/office/drawing/2010/main" val="0"/>
-              </a:ext>
-            </a:extLst>
-          </a:blip>
-          <a:stretch>
-            <a:fillRect/>
-          </a:stretch>
-        </p:blipFill>
-        <p:spPr>
-          <a:xfrm>
-            <a:off x="807395" y="4188783"/>
-            <a:ext cx="7315200" cy="2044303"/>
-          </a:xfrm>
-          <a:prstGeom prst="rect">
-            <a:avLst/>
-          </a:prstGeom>
-        </p:spPr>
-      </p:pic>
     </p:spTree>
     <p:extLst>
       <p:ext uri="{BB962C8B-B14F-4D97-AF65-F5344CB8AC3E}">
